--- a/lectures/images/venn/venn.pptx
+++ b/lectures/images/venn/venn.pptx
@@ -13,6 +13,7 @@
     <p:sldId id="261" r:id="rId7"/>
     <p:sldId id="262" r:id="rId8"/>
     <p:sldId id="263" r:id="rId9"/>
+    <p:sldId id="264" r:id="rId10"/>
   </p:sldIdLst>
   <p:sldSz cx="9144000" cy="6858000" type="screen4x3"/>
   <p:notesSz cx="6858000" cy="9144000"/>
@@ -250,7 +251,7 @@
           <a:p>
             <a:fld id="{50993DEC-8193-5947-94B6-CFA91A03A425}" type="datetimeFigureOut">
               <a:rPr lang="en-US" smtClean="0"/>
-              <a:t>1/15/20</a:t>
+              <a:t>1/18/20</a:t>
             </a:fld>
             <a:endParaRPr lang="en-US"/>
           </a:p>
@@ -420,7 +421,7 @@
           <a:p>
             <a:fld id="{50993DEC-8193-5947-94B6-CFA91A03A425}" type="datetimeFigureOut">
               <a:rPr lang="en-US" smtClean="0"/>
-              <a:t>1/15/20</a:t>
+              <a:t>1/18/20</a:t>
             </a:fld>
             <a:endParaRPr lang="en-US"/>
           </a:p>
@@ -600,7 +601,7 @@
           <a:p>
             <a:fld id="{50993DEC-8193-5947-94B6-CFA91A03A425}" type="datetimeFigureOut">
               <a:rPr lang="en-US" smtClean="0"/>
-              <a:t>1/15/20</a:t>
+              <a:t>1/18/20</a:t>
             </a:fld>
             <a:endParaRPr lang="en-US"/>
           </a:p>
@@ -770,7 +771,7 @@
           <a:p>
             <a:fld id="{50993DEC-8193-5947-94B6-CFA91A03A425}" type="datetimeFigureOut">
               <a:rPr lang="en-US" smtClean="0"/>
-              <a:t>1/15/20</a:t>
+              <a:t>1/18/20</a:t>
             </a:fld>
             <a:endParaRPr lang="en-US"/>
           </a:p>
@@ -1014,7 +1015,7 @@
           <a:p>
             <a:fld id="{50993DEC-8193-5947-94B6-CFA91A03A425}" type="datetimeFigureOut">
               <a:rPr lang="en-US" smtClean="0"/>
-              <a:t>1/15/20</a:t>
+              <a:t>1/18/20</a:t>
             </a:fld>
             <a:endParaRPr lang="en-US"/>
           </a:p>
@@ -1246,7 +1247,7 @@
           <a:p>
             <a:fld id="{50993DEC-8193-5947-94B6-CFA91A03A425}" type="datetimeFigureOut">
               <a:rPr lang="en-US" smtClean="0"/>
-              <a:t>1/15/20</a:t>
+              <a:t>1/18/20</a:t>
             </a:fld>
             <a:endParaRPr lang="en-US"/>
           </a:p>
@@ -1613,7 +1614,7 @@
           <a:p>
             <a:fld id="{50993DEC-8193-5947-94B6-CFA91A03A425}" type="datetimeFigureOut">
               <a:rPr lang="en-US" smtClean="0"/>
-              <a:t>1/15/20</a:t>
+              <a:t>1/18/20</a:t>
             </a:fld>
             <a:endParaRPr lang="en-US"/>
           </a:p>
@@ -1731,7 +1732,7 @@
           <a:p>
             <a:fld id="{50993DEC-8193-5947-94B6-CFA91A03A425}" type="datetimeFigureOut">
               <a:rPr lang="en-US" smtClean="0"/>
-              <a:t>1/15/20</a:t>
+              <a:t>1/18/20</a:t>
             </a:fld>
             <a:endParaRPr lang="en-US"/>
           </a:p>
@@ -1826,7 +1827,7 @@
           <a:p>
             <a:fld id="{50993DEC-8193-5947-94B6-CFA91A03A425}" type="datetimeFigureOut">
               <a:rPr lang="en-US" smtClean="0"/>
-              <a:t>1/15/20</a:t>
+              <a:t>1/18/20</a:t>
             </a:fld>
             <a:endParaRPr lang="en-US"/>
           </a:p>
@@ -2103,7 +2104,7 @@
           <a:p>
             <a:fld id="{50993DEC-8193-5947-94B6-CFA91A03A425}" type="datetimeFigureOut">
               <a:rPr lang="en-US" smtClean="0"/>
-              <a:t>1/15/20</a:t>
+              <a:t>1/18/20</a:t>
             </a:fld>
             <a:endParaRPr lang="en-US"/>
           </a:p>
@@ -2360,7 +2361,7 @@
           <a:p>
             <a:fld id="{50993DEC-8193-5947-94B6-CFA91A03A425}" type="datetimeFigureOut">
               <a:rPr lang="en-US" smtClean="0"/>
-              <a:t>1/15/20</a:t>
+              <a:t>1/18/20</a:t>
             </a:fld>
             <a:endParaRPr lang="en-US"/>
           </a:p>
@@ -2573,7 +2574,7 @@
           <a:p>
             <a:fld id="{50993DEC-8193-5947-94B6-CFA91A03A425}" type="datetimeFigureOut">
               <a:rPr lang="en-US" smtClean="0"/>
-              <a:t>1/15/20</a:t>
+              <a:t>1/18/20</a:t>
             </a:fld>
             <a:endParaRPr lang="en-US"/>
           </a:p>
@@ -5600,8 +5601,8 @@
           </a:p>
         </p:txBody>
       </p:sp>
-      <mc:AlternateContent xmlns:mc="http://schemas.openxmlformats.org/markup-compatibility/2006">
-        <mc:Choice xmlns:a14="http://schemas.microsoft.com/office/drawing/2010/main" Requires="a14">
+      <mc:AlternateContent xmlns:mc="http://schemas.openxmlformats.org/markup-compatibility/2006" xmlns:a14="http://schemas.microsoft.com/office/drawing/2010/main">
+        <mc:Choice Requires="a14">
           <p:sp>
             <p:nvSpPr>
               <p:cNvPr id="3" name="TextBox 2">
@@ -5630,6 +5631,7 @@
               </a:bodyPr>
               <a:lstStyle/>
               <a:p>
+                <a:pPr/>
                 <a14:m>
                   <m:oMathPara xmlns:m="http://schemas.openxmlformats.org/officeDocument/2006/math">
                     <m:oMathParaPr>
@@ -5835,7 +5837,7 @@
             </p:txBody>
           </p:sp>
         </mc:Choice>
-        <mc:Fallback>
+        <mc:Fallback xmlns="">
           <p:sp>
             <p:nvSpPr>
               <p:cNvPr id="3" name="TextBox 2">
@@ -5880,8 +5882,8 @@
           </p:sp>
         </mc:Fallback>
       </mc:AlternateContent>
-      <mc:AlternateContent xmlns:mc="http://schemas.openxmlformats.org/markup-compatibility/2006">
-        <mc:Choice xmlns:a14="http://schemas.microsoft.com/office/drawing/2010/main" Requires="a14">
+      <mc:AlternateContent xmlns:mc="http://schemas.openxmlformats.org/markup-compatibility/2006" xmlns:a14="http://schemas.microsoft.com/office/drawing/2010/main">
+        <mc:Choice Requires="a14">
           <p:sp>
             <p:nvSpPr>
               <p:cNvPr id="8" name="TextBox 7">
@@ -5910,6 +5912,7 @@
               </a:bodyPr>
               <a:lstStyle/>
               <a:p>
+                <a:pPr/>
                 <a14:m>
                   <m:oMathPara xmlns:m="http://schemas.openxmlformats.org/officeDocument/2006/math">
                     <m:oMathParaPr>
@@ -6099,7 +6102,7 @@
             </p:txBody>
           </p:sp>
         </mc:Choice>
-        <mc:Fallback>
+        <mc:Fallback xmlns="">
           <p:sp>
             <p:nvSpPr>
               <p:cNvPr id="8" name="TextBox 7">
@@ -6144,8 +6147,8 @@
           </p:sp>
         </mc:Fallback>
       </mc:AlternateContent>
-      <mc:AlternateContent xmlns:mc="http://schemas.openxmlformats.org/markup-compatibility/2006">
-        <mc:Choice xmlns:a14="http://schemas.microsoft.com/office/drawing/2010/main" Requires="a14">
+      <mc:AlternateContent xmlns:mc="http://schemas.openxmlformats.org/markup-compatibility/2006" xmlns:a14="http://schemas.microsoft.com/office/drawing/2010/main">
+        <mc:Choice Requires="a14">
           <p:sp>
             <p:nvSpPr>
               <p:cNvPr id="9" name="TextBox 8">
@@ -6174,6 +6177,7 @@
               </a:bodyPr>
               <a:lstStyle/>
               <a:p>
+                <a:pPr/>
                 <a14:m>
                   <m:oMathPara xmlns:m="http://schemas.openxmlformats.org/officeDocument/2006/math">
                     <m:oMathParaPr>
@@ -6317,7 +6321,7 @@
             </p:txBody>
           </p:sp>
         </mc:Choice>
-        <mc:Fallback>
+        <mc:Fallback xmlns="">
           <p:sp>
             <p:nvSpPr>
               <p:cNvPr id="9" name="TextBox 8">
@@ -6666,8 +6670,8 @@
           </a:p>
         </p:txBody>
       </p:sp>
-      <mc:AlternateContent xmlns:mc="http://schemas.openxmlformats.org/markup-compatibility/2006">
-        <mc:Choice xmlns:a14="http://schemas.microsoft.com/office/drawing/2010/main" Requires="a14">
+      <mc:AlternateContent xmlns:mc="http://schemas.openxmlformats.org/markup-compatibility/2006" xmlns:a14="http://schemas.microsoft.com/office/drawing/2010/main">
+        <mc:Choice Requires="a14">
           <p:sp>
             <p:nvSpPr>
               <p:cNvPr id="3" name="TextBox 2">
@@ -6696,6 +6700,7 @@
               </a:bodyPr>
               <a:lstStyle/>
               <a:p>
+                <a:pPr/>
                 <a14:m>
                   <m:oMathPara xmlns:m="http://schemas.openxmlformats.org/officeDocument/2006/math">
                     <m:oMathParaPr>
@@ -6901,7 +6906,7 @@
             </p:txBody>
           </p:sp>
         </mc:Choice>
-        <mc:Fallback>
+        <mc:Fallback xmlns="">
           <p:sp>
             <p:nvSpPr>
               <p:cNvPr id="3" name="TextBox 2">
@@ -6985,6 +6990,489 @@
     <p:extLst>
       <p:ext uri="{BB962C8B-B14F-4D97-AF65-F5344CB8AC3E}">
         <p14:creationId xmlns:p14="http://schemas.microsoft.com/office/powerpoint/2010/main" val="2827147321"/>
+      </p:ext>
+    </p:extLst>
+  </p:cSld>
+  <p:clrMapOvr>
+    <a:masterClrMapping/>
+  </p:clrMapOvr>
+</p:sld>
+</file>
+
+<file path=ppt/slides/slide9.xml><?xml version="1.0" encoding="utf-8"?>
+<p:sld xmlns:a="http://schemas.openxmlformats.org/drawingml/2006/main" xmlns:r="http://schemas.openxmlformats.org/officeDocument/2006/relationships" xmlns:p="http://schemas.openxmlformats.org/presentationml/2006/main">
+  <p:cSld>
+    <p:spTree>
+      <p:nvGrpSpPr>
+        <p:cNvPr id="1" name=""/>
+        <p:cNvGrpSpPr/>
+        <p:nvPr/>
+      </p:nvGrpSpPr>
+      <p:grpSpPr>
+        <a:xfrm>
+          <a:off x="0" y="0"/>
+          <a:ext cx="0" cy="0"/>
+          <a:chOff x="0" y="0"/>
+          <a:chExt cx="0" cy="0"/>
+        </a:xfrm>
+      </p:grpSpPr>
+      <p:sp>
+        <p:nvSpPr>
+          <p:cNvPr id="10" name="Oval 9">
+            <a:extLst>
+              <a:ext uri="{FF2B5EF4-FFF2-40B4-BE49-F238E27FC236}">
+                <a16:creationId xmlns:a16="http://schemas.microsoft.com/office/drawing/2014/main" id="{7C270CF8-6547-3C48-8509-CCA61D87726E}"/>
+              </a:ext>
+            </a:extLst>
+          </p:cNvPr>
+          <p:cNvSpPr/>
+          <p:nvPr/>
+        </p:nvSpPr>
+        <p:spPr>
+          <a:xfrm>
+            <a:off x="3138970" y="612994"/>
+            <a:ext cx="3193143" cy="3193143"/>
+          </a:xfrm>
+          <a:prstGeom prst="ellipse">
+            <a:avLst/>
+          </a:prstGeom>
+          <a:solidFill>
+            <a:schemeClr val="accent1">
+              <a:alpha val="50000"/>
+            </a:schemeClr>
+          </a:solidFill>
+        </p:spPr>
+        <p:style>
+          <a:lnRef idx="2">
+            <a:schemeClr val="accent1">
+              <a:shade val="50000"/>
+            </a:schemeClr>
+          </a:lnRef>
+          <a:fillRef idx="1">
+            <a:schemeClr val="accent1"/>
+          </a:fillRef>
+          <a:effectRef idx="0">
+            <a:schemeClr val="accent1"/>
+          </a:effectRef>
+          <a:fontRef idx="minor">
+            <a:schemeClr val="lt1"/>
+          </a:fontRef>
+        </p:style>
+        <p:txBody>
+          <a:bodyPr rtlCol="0" anchor="t" anchorCtr="0"/>
+          <a:lstStyle/>
+          <a:p>
+            <a:pPr algn="ctr"/>
+            <a:r>
+              <a:rPr lang="en-US" sz="4400" dirty="0">
+                <a:solidFill>
+                  <a:schemeClr val="tx1"/>
+                </a:solidFill>
+              </a:rPr>
+              <a:t>Y</a:t>
+            </a:r>
+          </a:p>
+        </p:txBody>
+      </p:sp>
+      <p:sp>
+        <p:nvSpPr>
+          <p:cNvPr id="11" name="Oval 10">
+            <a:extLst>
+              <a:ext uri="{FF2B5EF4-FFF2-40B4-BE49-F238E27FC236}">
+                <a16:creationId xmlns:a16="http://schemas.microsoft.com/office/drawing/2014/main" id="{8E11FC07-69D6-B44E-8180-2153D571072F}"/>
+              </a:ext>
+            </a:extLst>
+          </p:cNvPr>
+          <p:cNvSpPr/>
+          <p:nvPr/>
+        </p:nvSpPr>
+        <p:spPr>
+          <a:xfrm>
+            <a:off x="2510319" y="2195311"/>
+            <a:ext cx="3193143" cy="3193143"/>
+          </a:xfrm>
+          <a:prstGeom prst="ellipse">
+            <a:avLst/>
+          </a:prstGeom>
+          <a:solidFill>
+            <a:schemeClr val="accent2">
+              <a:alpha val="50000"/>
+            </a:schemeClr>
+          </a:solidFill>
+          <a:ln>
+            <a:solidFill>
+              <a:schemeClr val="accent2"/>
+            </a:solidFill>
+          </a:ln>
+        </p:spPr>
+        <p:style>
+          <a:lnRef idx="2">
+            <a:schemeClr val="accent1">
+              <a:shade val="50000"/>
+            </a:schemeClr>
+          </a:lnRef>
+          <a:fillRef idx="1">
+            <a:schemeClr val="accent1"/>
+          </a:fillRef>
+          <a:effectRef idx="0">
+            <a:schemeClr val="accent1"/>
+          </a:effectRef>
+          <a:fontRef idx="minor">
+            <a:schemeClr val="lt1"/>
+          </a:fontRef>
+        </p:style>
+        <p:txBody>
+          <a:bodyPr rtlCol="0" anchor="b" anchorCtr="0"/>
+          <a:lstStyle/>
+          <a:p>
+            <a:pPr algn="ctr"/>
+            <a:endParaRPr lang="en-US" sz="4400" baseline="-25000" dirty="0">
+              <a:solidFill>
+                <a:schemeClr val="tx1"/>
+              </a:solidFill>
+            </a:endParaRPr>
+          </a:p>
+        </p:txBody>
+      </p:sp>
+      <p:sp>
+        <p:nvSpPr>
+          <p:cNvPr id="4" name="Oval 3">
+            <a:extLst>
+              <a:ext uri="{FF2B5EF4-FFF2-40B4-BE49-F238E27FC236}">
+                <a16:creationId xmlns:a16="http://schemas.microsoft.com/office/drawing/2014/main" id="{465DF778-47DB-CC46-99DE-7468B5A91F1C}"/>
+              </a:ext>
+            </a:extLst>
+          </p:cNvPr>
+          <p:cNvSpPr/>
+          <p:nvPr/>
+        </p:nvSpPr>
+        <p:spPr>
+          <a:xfrm>
+            <a:off x="1542398" y="1631303"/>
+            <a:ext cx="3193143" cy="3193143"/>
+          </a:xfrm>
+          <a:prstGeom prst="ellipse">
+            <a:avLst/>
+          </a:prstGeom>
+          <a:solidFill>
+            <a:schemeClr val="accent6">
+              <a:alpha val="50000"/>
+            </a:schemeClr>
+          </a:solidFill>
+          <a:ln>
+            <a:solidFill>
+              <a:schemeClr val="accent6"/>
+            </a:solidFill>
+          </a:ln>
+        </p:spPr>
+        <p:style>
+          <a:lnRef idx="2">
+            <a:schemeClr val="accent1">
+              <a:shade val="50000"/>
+            </a:schemeClr>
+          </a:lnRef>
+          <a:fillRef idx="1">
+            <a:schemeClr val="accent1"/>
+          </a:fillRef>
+          <a:effectRef idx="0">
+            <a:schemeClr val="accent1"/>
+          </a:effectRef>
+          <a:fontRef idx="minor">
+            <a:schemeClr val="lt1"/>
+          </a:fontRef>
+        </p:style>
+        <p:txBody>
+          <a:bodyPr rtlCol="0" anchor="ctr" anchorCtr="0"/>
+          <a:lstStyle/>
+          <a:p>
+            <a:endParaRPr lang="en-US" sz="4400" baseline="-25000" dirty="0">
+              <a:solidFill>
+                <a:schemeClr val="tx1"/>
+              </a:solidFill>
+            </a:endParaRPr>
+          </a:p>
+        </p:txBody>
+      </p:sp>
+      <p:sp>
+        <p:nvSpPr>
+          <p:cNvPr id="9" name="Oval 8">
+            <a:extLst>
+              <a:ext uri="{FF2B5EF4-FFF2-40B4-BE49-F238E27FC236}">
+                <a16:creationId xmlns:a16="http://schemas.microsoft.com/office/drawing/2014/main" id="{458B84A7-12F1-874C-823C-1A898E174EE8}"/>
+              </a:ext>
+            </a:extLst>
+          </p:cNvPr>
+          <p:cNvSpPr/>
+          <p:nvPr/>
+        </p:nvSpPr>
+        <p:spPr>
+          <a:xfrm>
+            <a:off x="3794578" y="2209565"/>
+            <a:ext cx="3193143" cy="3193143"/>
+          </a:xfrm>
+          <a:prstGeom prst="ellipse">
+            <a:avLst/>
+          </a:prstGeom>
+          <a:solidFill>
+            <a:schemeClr val="accent4">
+              <a:alpha val="50000"/>
+            </a:schemeClr>
+          </a:solidFill>
+          <a:ln>
+            <a:solidFill>
+              <a:schemeClr val="accent4"/>
+            </a:solidFill>
+          </a:ln>
+        </p:spPr>
+        <p:style>
+          <a:lnRef idx="2">
+            <a:schemeClr val="accent1">
+              <a:shade val="50000"/>
+            </a:schemeClr>
+          </a:lnRef>
+          <a:fillRef idx="1">
+            <a:schemeClr val="accent1"/>
+          </a:fillRef>
+          <a:effectRef idx="0">
+            <a:schemeClr val="accent1"/>
+          </a:effectRef>
+          <a:fontRef idx="minor">
+            <a:schemeClr val="lt1"/>
+          </a:fontRef>
+        </p:style>
+        <p:txBody>
+          <a:bodyPr rtlCol="0" anchor="b" anchorCtr="0"/>
+          <a:lstStyle/>
+          <a:p>
+            <a:pPr algn="ctr"/>
+            <a:endParaRPr lang="en-US" sz="4400" baseline="-25000" dirty="0">
+              <a:solidFill>
+                <a:schemeClr val="tx1"/>
+              </a:solidFill>
+            </a:endParaRPr>
+          </a:p>
+        </p:txBody>
+      </p:sp>
+      <p:sp>
+        <p:nvSpPr>
+          <p:cNvPr id="13" name="Oval 12">
+            <a:extLst>
+              <a:ext uri="{FF2B5EF4-FFF2-40B4-BE49-F238E27FC236}">
+                <a16:creationId xmlns:a16="http://schemas.microsoft.com/office/drawing/2014/main" id="{A7D54704-AA66-7542-A629-9A935011CF39}"/>
+              </a:ext>
+            </a:extLst>
+          </p:cNvPr>
+          <p:cNvSpPr/>
+          <p:nvPr/>
+        </p:nvSpPr>
+        <p:spPr>
+          <a:xfrm>
+            <a:off x="4735542" y="1617049"/>
+            <a:ext cx="3193143" cy="3193143"/>
+          </a:xfrm>
+          <a:prstGeom prst="ellipse">
+            <a:avLst/>
+          </a:prstGeom>
+          <a:solidFill>
+            <a:srgbClr val="7030A0">
+              <a:alpha val="50000"/>
+            </a:srgbClr>
+          </a:solidFill>
+          <a:ln>
+            <a:solidFill>
+              <a:srgbClr val="7030A0"/>
+            </a:solidFill>
+          </a:ln>
+        </p:spPr>
+        <p:style>
+          <a:lnRef idx="2">
+            <a:schemeClr val="accent1">
+              <a:shade val="50000"/>
+            </a:schemeClr>
+          </a:lnRef>
+          <a:fillRef idx="1">
+            <a:schemeClr val="accent1"/>
+          </a:fillRef>
+          <a:effectRef idx="0">
+            <a:schemeClr val="accent1"/>
+          </a:effectRef>
+          <a:fontRef idx="minor">
+            <a:schemeClr val="lt1"/>
+          </a:fontRef>
+        </p:style>
+        <p:txBody>
+          <a:bodyPr rtlCol="0" anchor="b" anchorCtr="0"/>
+          <a:lstStyle/>
+          <a:p>
+            <a:pPr algn="ctr"/>
+            <a:endParaRPr lang="en-US" sz="4400" baseline="-25000" dirty="0">
+              <a:solidFill>
+                <a:schemeClr val="tx1"/>
+              </a:solidFill>
+            </a:endParaRPr>
+          </a:p>
+        </p:txBody>
+      </p:sp>
+      <p:sp>
+        <p:nvSpPr>
+          <p:cNvPr id="5" name="TextBox 4">
+            <a:extLst>
+              <a:ext uri="{FF2B5EF4-FFF2-40B4-BE49-F238E27FC236}">
+                <a16:creationId xmlns:a16="http://schemas.microsoft.com/office/drawing/2014/main" id="{12F98ADD-59B4-9249-957A-9AF4DA96B0B9}"/>
+              </a:ext>
+            </a:extLst>
+          </p:cNvPr>
+          <p:cNvSpPr txBox="1"/>
+          <p:nvPr/>
+        </p:nvSpPr>
+        <p:spPr>
+          <a:xfrm>
+            <a:off x="959755" y="3499494"/>
+            <a:ext cx="537327" cy="584775"/>
+          </a:xfrm>
+          <a:prstGeom prst="rect">
+            <a:avLst/>
+          </a:prstGeom>
+          <a:noFill/>
+        </p:spPr>
+        <p:txBody>
+          <a:bodyPr wrap="none" rtlCol="0">
+            <a:spAutoFit/>
+          </a:bodyPr>
+          <a:lstStyle/>
+          <a:p>
+            <a:r>
+              <a:rPr lang="en-US" sz="3200" dirty="0"/>
+              <a:t>X</a:t>
+            </a:r>
+            <a:r>
+              <a:rPr lang="en-US" sz="3200" baseline="-25000" dirty="0"/>
+              <a:t>1</a:t>
+            </a:r>
+          </a:p>
+        </p:txBody>
+      </p:sp>
+      <p:sp>
+        <p:nvSpPr>
+          <p:cNvPr id="14" name="TextBox 13">
+            <a:extLst>
+              <a:ext uri="{FF2B5EF4-FFF2-40B4-BE49-F238E27FC236}">
+                <a16:creationId xmlns:a16="http://schemas.microsoft.com/office/drawing/2014/main" id="{BBB2A6B5-29EF-D242-9F49-ABF3BD4034D6}"/>
+              </a:ext>
+            </a:extLst>
+          </p:cNvPr>
+          <p:cNvSpPr txBox="1"/>
+          <p:nvPr/>
+        </p:nvSpPr>
+        <p:spPr>
+          <a:xfrm>
+            <a:off x="3525914" y="5416962"/>
+            <a:ext cx="537327" cy="584775"/>
+          </a:xfrm>
+          <a:prstGeom prst="rect">
+            <a:avLst/>
+          </a:prstGeom>
+          <a:noFill/>
+        </p:spPr>
+        <p:txBody>
+          <a:bodyPr wrap="none" rtlCol="0">
+            <a:spAutoFit/>
+          </a:bodyPr>
+          <a:lstStyle/>
+          <a:p>
+            <a:r>
+              <a:rPr lang="en-US" sz="3200" dirty="0"/>
+              <a:t>X</a:t>
+            </a:r>
+            <a:r>
+              <a:rPr lang="en-US" sz="3200" baseline="-25000" dirty="0"/>
+              <a:t>2</a:t>
+            </a:r>
+          </a:p>
+        </p:txBody>
+      </p:sp>
+      <p:sp>
+        <p:nvSpPr>
+          <p:cNvPr id="15" name="TextBox 14">
+            <a:extLst>
+              <a:ext uri="{FF2B5EF4-FFF2-40B4-BE49-F238E27FC236}">
+                <a16:creationId xmlns:a16="http://schemas.microsoft.com/office/drawing/2014/main" id="{20093945-2909-4940-9954-9CEA89DC0EA8}"/>
+              </a:ext>
+            </a:extLst>
+          </p:cNvPr>
+          <p:cNvSpPr txBox="1"/>
+          <p:nvPr/>
+        </p:nvSpPr>
+        <p:spPr>
+          <a:xfrm>
+            <a:off x="5813183" y="5416962"/>
+            <a:ext cx="537327" cy="584775"/>
+          </a:xfrm>
+          <a:prstGeom prst="rect">
+            <a:avLst/>
+          </a:prstGeom>
+          <a:noFill/>
+        </p:spPr>
+        <p:txBody>
+          <a:bodyPr wrap="none" rtlCol="0">
+            <a:spAutoFit/>
+          </a:bodyPr>
+          <a:lstStyle/>
+          <a:p>
+            <a:r>
+              <a:rPr lang="en-US" sz="3200" dirty="0"/>
+              <a:t>X</a:t>
+            </a:r>
+            <a:r>
+              <a:rPr lang="en-US" sz="3200" baseline="-25000" dirty="0"/>
+              <a:t>3</a:t>
+            </a:r>
+          </a:p>
+        </p:txBody>
+      </p:sp>
+      <p:sp>
+        <p:nvSpPr>
+          <p:cNvPr id="16" name="TextBox 15">
+            <a:extLst>
+              <a:ext uri="{FF2B5EF4-FFF2-40B4-BE49-F238E27FC236}">
+                <a16:creationId xmlns:a16="http://schemas.microsoft.com/office/drawing/2014/main" id="{791A45B2-83F6-CF44-87E5-95A9B2A9DC61}"/>
+              </a:ext>
+            </a:extLst>
+          </p:cNvPr>
+          <p:cNvSpPr txBox="1"/>
+          <p:nvPr/>
+        </p:nvSpPr>
+        <p:spPr>
+          <a:xfrm>
+            <a:off x="8115299" y="3213620"/>
+            <a:ext cx="537327" cy="584775"/>
+          </a:xfrm>
+          <a:prstGeom prst="rect">
+            <a:avLst/>
+          </a:prstGeom>
+          <a:noFill/>
+        </p:spPr>
+        <p:txBody>
+          <a:bodyPr wrap="none" rtlCol="0">
+            <a:spAutoFit/>
+          </a:bodyPr>
+          <a:lstStyle/>
+          <a:p>
+            <a:r>
+              <a:rPr lang="en-US" sz="3200" dirty="0"/>
+              <a:t>X</a:t>
+            </a:r>
+            <a:r>
+              <a:rPr lang="en-US" sz="3200" baseline="-25000" dirty="0"/>
+              <a:t>4</a:t>
+            </a:r>
+          </a:p>
+        </p:txBody>
+      </p:sp>
+    </p:spTree>
+    <p:extLst>
+      <p:ext uri="{BB962C8B-B14F-4D97-AF65-F5344CB8AC3E}">
+        <p14:creationId xmlns:p14="http://schemas.microsoft.com/office/powerpoint/2010/main" val="185915964"/>
       </p:ext>
     </p:extLst>
   </p:cSld>
